--- a/4739 CAD Guide.pptx
+++ b/4739 CAD Guide.pptx
@@ -111,7 +111,56 @@
       </a:defRPr>
     </a:lvl9pPr>
   </p:defaultTextStyle>
+  <p:extLst>
+    <p:ext uri="{EFAFB233-063F-42B5-8137-9DF3F51BA10A}">
+      <p15:sldGuideLst xmlns:p15="http://schemas.microsoft.com/office/powerpoint/2012/main"/>
+    </p:ext>
+  </p:extLst>
 </p:presentation>
+</file>
+
+<file path=ppt/revisionInfo.xml><?xml version="1.0" encoding="utf-8"?>
+<p1510:revInfo xmlns:a="http://schemas.openxmlformats.org/drawingml/2006/main" xmlns:r="http://schemas.openxmlformats.org/officeDocument/2006/relationships" xmlns:p1510="http://schemas.microsoft.com/office/powerpoint/2015/10/main">
+  <p1510:revLst>
+    <p1510:client id="{F73FE0DC-B27C-3364-465A-A3D171168DAC}" v="16" dt="2024-07-25T05:16:41.810"/>
+  </p1510:revLst>
+</p1510:revInfo>
+</file>
+
+<file path=ppt/changesInfos/changesInfo1.xml><?xml version="1.0" encoding="utf-8"?>
+<pc:chgInfo xmlns:a="http://schemas.openxmlformats.org/drawingml/2006/main" xmlns:r="http://schemas.openxmlformats.org/officeDocument/2006/relationships" xmlns:ac="http://schemas.microsoft.com/office/drawing/2013/main/command" xmlns:pc="http://schemas.microsoft.com/office/powerpoint/2013/main/command">
+  <pc:docChgLst>
+    <pc:chgData name="Hayden Mercier" userId="S::hayden.mercier@education.nsw.gov.au::cfb5bae3-ba03-4dc3-8648-592c292343ea" providerId="AD" clId="Web-{F73FE0DC-B27C-3364-465A-A3D171168DAC}"/>
+    <pc:docChg chg="modSld">
+      <pc:chgData name="Hayden Mercier" userId="S::hayden.mercier@education.nsw.gov.au::cfb5bae3-ba03-4dc3-8648-592c292343ea" providerId="AD" clId="Web-{F73FE0DC-B27C-3364-465A-A3D171168DAC}" dt="2024-07-25T05:16:40.826" v="14" actId="20577"/>
+      <pc:docMkLst>
+        <pc:docMk/>
+      </pc:docMkLst>
+      <pc:sldChg chg="mod modShow">
+        <pc:chgData name="Hayden Mercier" userId="S::hayden.mercier@education.nsw.gov.au::cfb5bae3-ba03-4dc3-8648-592c292343ea" providerId="AD" clId="Web-{F73FE0DC-B27C-3364-465A-A3D171168DAC}" dt="2024-07-25T05:15:59.278" v="0"/>
+        <pc:sldMkLst>
+          <pc:docMk/>
+          <pc:sldMk cId="3315417368" sldId="257"/>
+        </pc:sldMkLst>
+      </pc:sldChg>
+      <pc:sldChg chg="modSp">
+        <pc:chgData name="Hayden Mercier" userId="S::hayden.mercier@education.nsw.gov.au::cfb5bae3-ba03-4dc3-8648-592c292343ea" providerId="AD" clId="Web-{F73FE0DC-B27C-3364-465A-A3D171168DAC}" dt="2024-07-25T05:16:40.826" v="14" actId="20577"/>
+        <pc:sldMkLst>
+          <pc:docMk/>
+          <pc:sldMk cId="2050650640" sldId="258"/>
+        </pc:sldMkLst>
+        <pc:spChg chg="mod">
+          <ac:chgData name="Hayden Mercier" userId="S::hayden.mercier@education.nsw.gov.au::cfb5bae3-ba03-4dc3-8648-592c292343ea" providerId="AD" clId="Web-{F73FE0DC-B27C-3364-465A-A3D171168DAC}" dt="2024-07-25T05:16:40.826" v="14" actId="20577"/>
+          <ac:spMkLst>
+            <pc:docMk/>
+            <pc:sldMk cId="2050650640" sldId="258"/>
+            <ac:spMk id="3" creationId="{FAA0E58F-A111-7C11-7F16-8EDDD584A2AD}"/>
+          </ac:spMkLst>
+        </pc:spChg>
+      </pc:sldChg>
+    </pc:docChg>
+  </pc:docChgLst>
+</pc:chgInfo>
 </file>
 
 <file path=ppt/slideLayouts/slideLayout1.xml><?xml version="1.0" encoding="utf-8"?>
@@ -263,7 +312,7 @@
           <a:p>
             <a:fld id="{EBEAC999-C1E7-4E46-9ED8-31BEAFD2DBF9}" type="datetimeFigureOut">
               <a:rPr lang="en-AU" smtClean="0"/>
-              <a:t>19/07/2024</a:t>
+              <a:t>24/07/2024</a:t>
             </a:fld>
             <a:endParaRPr lang="en-AU"/>
           </a:p>
@@ -463,7 +512,7 @@
           <a:p>
             <a:fld id="{EBEAC999-C1E7-4E46-9ED8-31BEAFD2DBF9}" type="datetimeFigureOut">
               <a:rPr lang="en-AU" smtClean="0"/>
-              <a:t>19/07/2024</a:t>
+              <a:t>24/07/2024</a:t>
             </a:fld>
             <a:endParaRPr lang="en-AU"/>
           </a:p>
@@ -673,7 +722,7 @@
           <a:p>
             <a:fld id="{EBEAC999-C1E7-4E46-9ED8-31BEAFD2DBF9}" type="datetimeFigureOut">
               <a:rPr lang="en-AU" smtClean="0"/>
-              <a:t>19/07/2024</a:t>
+              <a:t>24/07/2024</a:t>
             </a:fld>
             <a:endParaRPr lang="en-AU"/>
           </a:p>
@@ -873,7 +922,7 @@
           <a:p>
             <a:fld id="{EBEAC999-C1E7-4E46-9ED8-31BEAFD2DBF9}" type="datetimeFigureOut">
               <a:rPr lang="en-AU" smtClean="0"/>
-              <a:t>19/07/2024</a:t>
+              <a:t>24/07/2024</a:t>
             </a:fld>
             <a:endParaRPr lang="en-AU"/>
           </a:p>
@@ -1149,7 +1198,7 @@
           <a:p>
             <a:fld id="{EBEAC999-C1E7-4E46-9ED8-31BEAFD2DBF9}" type="datetimeFigureOut">
               <a:rPr lang="en-AU" smtClean="0"/>
-              <a:t>19/07/2024</a:t>
+              <a:t>24/07/2024</a:t>
             </a:fld>
             <a:endParaRPr lang="en-AU"/>
           </a:p>
@@ -1417,7 +1466,7 @@
           <a:p>
             <a:fld id="{EBEAC999-C1E7-4E46-9ED8-31BEAFD2DBF9}" type="datetimeFigureOut">
               <a:rPr lang="en-AU" smtClean="0"/>
-              <a:t>19/07/2024</a:t>
+              <a:t>24/07/2024</a:t>
             </a:fld>
             <a:endParaRPr lang="en-AU"/>
           </a:p>
@@ -1832,7 +1881,7 @@
           <a:p>
             <a:fld id="{EBEAC999-C1E7-4E46-9ED8-31BEAFD2DBF9}" type="datetimeFigureOut">
               <a:rPr lang="en-AU" smtClean="0"/>
-              <a:t>19/07/2024</a:t>
+              <a:t>24/07/2024</a:t>
             </a:fld>
             <a:endParaRPr lang="en-AU"/>
           </a:p>
@@ -1974,7 +2023,7 @@
           <a:p>
             <a:fld id="{EBEAC999-C1E7-4E46-9ED8-31BEAFD2DBF9}" type="datetimeFigureOut">
               <a:rPr lang="en-AU" smtClean="0"/>
-              <a:t>19/07/2024</a:t>
+              <a:t>24/07/2024</a:t>
             </a:fld>
             <a:endParaRPr lang="en-AU"/>
           </a:p>
@@ -2087,7 +2136,7 @@
           <a:p>
             <a:fld id="{EBEAC999-C1E7-4E46-9ED8-31BEAFD2DBF9}" type="datetimeFigureOut">
               <a:rPr lang="en-AU" smtClean="0"/>
-              <a:t>19/07/2024</a:t>
+              <a:t>24/07/2024</a:t>
             </a:fld>
             <a:endParaRPr lang="en-AU"/>
           </a:p>
@@ -2400,7 +2449,7 @@
           <a:p>
             <a:fld id="{EBEAC999-C1E7-4E46-9ED8-31BEAFD2DBF9}" type="datetimeFigureOut">
               <a:rPr lang="en-AU" smtClean="0"/>
-              <a:t>19/07/2024</a:t>
+              <a:t>24/07/2024</a:t>
             </a:fld>
             <a:endParaRPr lang="en-AU"/>
           </a:p>
@@ -2689,7 +2738,7 @@
           <a:p>
             <a:fld id="{EBEAC999-C1E7-4E46-9ED8-31BEAFD2DBF9}" type="datetimeFigureOut">
               <a:rPr lang="en-AU" smtClean="0"/>
-              <a:t>19/07/2024</a:t>
+              <a:t>24/07/2024</a:t>
             </a:fld>
             <a:endParaRPr lang="en-AU"/>
           </a:p>
@@ -2932,7 +2981,7 @@
           <a:p>
             <a:fld id="{EBEAC999-C1E7-4E46-9ED8-31BEAFD2DBF9}" type="datetimeFigureOut">
               <a:rPr lang="en-AU" smtClean="0"/>
-              <a:t>19/07/2024</a:t>
+              <a:t>24/07/2024</a:t>
             </a:fld>
             <a:endParaRPr lang="en-AU"/>
           </a:p>
@@ -3392,7 +3441,7 @@
 </file>
 
 <file path=ppt/slides/slide2.xml><?xml version="1.0" encoding="utf-8"?>
-<p:sld xmlns:a="http://schemas.openxmlformats.org/drawingml/2006/main" xmlns:r="http://schemas.openxmlformats.org/officeDocument/2006/relationships" xmlns:p="http://schemas.openxmlformats.org/presentationml/2006/main">
+<p:sld xmlns:a="http://schemas.openxmlformats.org/drawingml/2006/main" xmlns:r="http://schemas.openxmlformats.org/officeDocument/2006/relationships" xmlns:p="http://schemas.openxmlformats.org/presentationml/2006/main" show="0">
   <p:cSld>
     <p:spTree>
       <p:nvGrpSpPr>
@@ -3602,12 +3651,14 @@
           </a:xfrm>
         </p:spPr>
         <p:txBody>
-          <a:bodyPr/>
+          <a:bodyPr vert="horz" lIns="91440" tIns="45720" rIns="91440" bIns="45720" rtlCol="0" anchor="t">
+            <a:normAutofit/>
+          </a:bodyPr>
           <a:lstStyle/>
           <a:p>
             <a:r>
               <a:rPr lang="en-GB" dirty="0"/>
-              <a:t>First sketch and extrude the tubes, then add the holes   (5 mm)</a:t>
+              <a:t>First sketch and extrude the tubes, then add the holes (5 mm)</a:t>
             </a:r>
           </a:p>
           <a:p>
@@ -3616,7 +3667,7 @@
               <a:t>Now, the “proper” way to accomplish this is by using the linear and circular pattern tool, but we have a way to cheat (</a:t>
             </a:r>
             <a:r>
-              <a:rPr lang="en-GB" dirty="0" err="1"/>
+              <a:rPr lang="en-GB" err="1"/>
               <a:t>shhhh</a:t>
             </a:r>
             <a:r>
@@ -3627,13 +3678,16 @@
           <a:p>
             <a:r>
               <a:rPr lang="en-GB" dirty="0"/>
-              <a:t>Smooth slide into </a:t>
+              <a:t>Hadam will discuss </a:t>
             </a:r>
             <a:r>
               <a:rPr lang="en-GB" dirty="0" err="1"/>
               <a:t>featurescripts</a:t>
             </a:r>
-            <a:endParaRPr lang="en-AU" dirty="0"/>
+            <a:r>
+              <a:rPr lang="en-GB" dirty="0"/>
+              <a:t> later.</a:t>
+            </a:r>
           </a:p>
         </p:txBody>
       </p:sp>
